--- a/ppt 16-9/0193.歌颂吧！真光来.pptx
+++ b/ppt 16-9/0193.歌颂吧！真光来.pptx
@@ -129,7 +129,7 @@
           <p:cNvPr id="2" name="标题 1">
             <a:extLst>
               <a:ext uri="{FF2B5EF4-FFF2-40B4-BE49-F238E27FC236}">
-                <a16:creationId xmlns:a16="http://schemas.microsoft.com/office/drawing/2014/main" id="{D79AB3EF-5004-CC85-97D0-01A8A3E1ED28}"/>
+                <a16:creationId xmlns:a16="http://schemas.microsoft.com/office/drawing/2014/main" id="{F1C16C7A-AB6A-8448-6EA9-DF4D07F4D486}"/>
               </a:ext>
             </a:extLst>
           </p:cNvPr>
@@ -166,7 +166,7 @@
           <p:cNvPr id="3" name="副标题 2">
             <a:extLst>
               <a:ext uri="{FF2B5EF4-FFF2-40B4-BE49-F238E27FC236}">
-                <a16:creationId xmlns:a16="http://schemas.microsoft.com/office/drawing/2014/main" id="{D5CA341A-0CB7-772F-F0CF-B69AA7F23960}"/>
+                <a16:creationId xmlns:a16="http://schemas.microsoft.com/office/drawing/2014/main" id="{B18740CE-08C7-0403-4487-27AFC3E5D5F7}"/>
               </a:ext>
             </a:extLst>
           </p:cNvPr>
@@ -236,7 +236,7 @@
           <p:cNvPr id="4" name="日期占位符 3">
             <a:extLst>
               <a:ext uri="{FF2B5EF4-FFF2-40B4-BE49-F238E27FC236}">
-                <a16:creationId xmlns:a16="http://schemas.microsoft.com/office/drawing/2014/main" id="{21C39204-866E-D5F5-E330-E44F092B6685}"/>
+                <a16:creationId xmlns:a16="http://schemas.microsoft.com/office/drawing/2014/main" id="{557C3FE3-B829-4571-6886-D7B69DCE98B1}"/>
               </a:ext>
             </a:extLst>
           </p:cNvPr>
@@ -252,7 +252,7 @@
           <a:bodyPr/>
           <a:lstStyle/>
           <a:p>
-            <a:fld id="{F9F04A6F-46B5-4FE8-AAB1-AF1B7DF1783A}" type="datetimeFigureOut">
+            <a:fld id="{95668F7F-B9CB-4962-88B8-FCE129E24E31}" type="datetimeFigureOut">
               <a:rPr lang="zh-CN" altLang="en-US" smtClean="0"/>
               <a:t>2024/3/10</a:t>
             </a:fld>
@@ -265,7 +265,7 @@
           <p:cNvPr id="5" name="页脚占位符 4">
             <a:extLst>
               <a:ext uri="{FF2B5EF4-FFF2-40B4-BE49-F238E27FC236}">
-                <a16:creationId xmlns:a16="http://schemas.microsoft.com/office/drawing/2014/main" id="{C7E50DA7-AB94-DF28-7957-3968A861EA05}"/>
+                <a16:creationId xmlns:a16="http://schemas.microsoft.com/office/drawing/2014/main" id="{3A928CC1-92E3-E433-F123-A5BEA4F28DBB}"/>
               </a:ext>
             </a:extLst>
           </p:cNvPr>
@@ -290,7 +290,7 @@
           <p:cNvPr id="6" name="灯片编号占位符 5">
             <a:extLst>
               <a:ext uri="{FF2B5EF4-FFF2-40B4-BE49-F238E27FC236}">
-                <a16:creationId xmlns:a16="http://schemas.microsoft.com/office/drawing/2014/main" id="{7B0FD24E-4910-43A4-1FD7-0705020AADC3}"/>
+                <a16:creationId xmlns:a16="http://schemas.microsoft.com/office/drawing/2014/main" id="{10ED7320-3215-102D-7D39-AF586286B4F0}"/>
               </a:ext>
             </a:extLst>
           </p:cNvPr>
@@ -306,7 +306,7 @@
           <a:bodyPr/>
           <a:lstStyle/>
           <a:p>
-            <a:fld id="{C76EEB09-0AEE-4FB0-BEA9-7CBDAB5995D8}" type="slidenum">
+            <a:fld id="{BC66C692-26A9-4A00-957C-3A03346F9957}" type="slidenum">
               <a:rPr lang="zh-CN" altLang="en-US" smtClean="0"/>
               <a:t>‹#›</a:t>
             </a:fld>
@@ -317,7 +317,7 @@
     </p:spTree>
     <p:extLst>
       <p:ext uri="{BB962C8B-B14F-4D97-AF65-F5344CB8AC3E}">
-        <p14:creationId xmlns:p14="http://schemas.microsoft.com/office/powerpoint/2010/main" val="3596802172"/>
+        <p14:creationId xmlns:p14="http://schemas.microsoft.com/office/powerpoint/2010/main" val="80812757"/>
       </p:ext>
     </p:extLst>
   </p:cSld>
@@ -349,7 +349,7 @@
           <p:cNvPr id="2" name="标题 1">
             <a:extLst>
               <a:ext uri="{FF2B5EF4-FFF2-40B4-BE49-F238E27FC236}">
-                <a16:creationId xmlns:a16="http://schemas.microsoft.com/office/drawing/2014/main" id="{05DF74E9-7D6B-2025-D2E8-8A4792F56AF4}"/>
+                <a16:creationId xmlns:a16="http://schemas.microsoft.com/office/drawing/2014/main" id="{A5E7FC21-F4B2-13AF-EDF0-3F4C0153B518}"/>
               </a:ext>
             </a:extLst>
           </p:cNvPr>
@@ -377,7 +377,7 @@
           <p:cNvPr id="3" name="竖排文字占位符 2">
             <a:extLst>
               <a:ext uri="{FF2B5EF4-FFF2-40B4-BE49-F238E27FC236}">
-                <a16:creationId xmlns:a16="http://schemas.microsoft.com/office/drawing/2014/main" id="{D6B06064-452E-8748-3D39-B5FD1B024CDA}"/>
+                <a16:creationId xmlns:a16="http://schemas.microsoft.com/office/drawing/2014/main" id="{E3895ED5-7D7D-7B43-1138-8C864469B934}"/>
               </a:ext>
             </a:extLst>
           </p:cNvPr>
@@ -434,7 +434,7 @@
           <p:cNvPr id="4" name="日期占位符 3">
             <a:extLst>
               <a:ext uri="{FF2B5EF4-FFF2-40B4-BE49-F238E27FC236}">
-                <a16:creationId xmlns:a16="http://schemas.microsoft.com/office/drawing/2014/main" id="{AD5B0CBF-935F-18D7-B56C-2A246B46C0E4}"/>
+                <a16:creationId xmlns:a16="http://schemas.microsoft.com/office/drawing/2014/main" id="{0184108C-6ED2-C82A-3CD3-C8A1247B432C}"/>
               </a:ext>
             </a:extLst>
           </p:cNvPr>
@@ -450,7 +450,7 @@
           <a:bodyPr/>
           <a:lstStyle/>
           <a:p>
-            <a:fld id="{F9F04A6F-46B5-4FE8-AAB1-AF1B7DF1783A}" type="datetimeFigureOut">
+            <a:fld id="{95668F7F-B9CB-4962-88B8-FCE129E24E31}" type="datetimeFigureOut">
               <a:rPr lang="zh-CN" altLang="en-US" smtClean="0"/>
               <a:t>2024/3/10</a:t>
             </a:fld>
@@ -463,7 +463,7 @@
           <p:cNvPr id="5" name="页脚占位符 4">
             <a:extLst>
               <a:ext uri="{FF2B5EF4-FFF2-40B4-BE49-F238E27FC236}">
-                <a16:creationId xmlns:a16="http://schemas.microsoft.com/office/drawing/2014/main" id="{5E351BDF-8351-0392-F578-C352A2C553BC}"/>
+                <a16:creationId xmlns:a16="http://schemas.microsoft.com/office/drawing/2014/main" id="{E2D42587-F62C-2C1A-4D9E-1C4CEE62583D}"/>
               </a:ext>
             </a:extLst>
           </p:cNvPr>
@@ -488,7 +488,7 @@
           <p:cNvPr id="6" name="灯片编号占位符 5">
             <a:extLst>
               <a:ext uri="{FF2B5EF4-FFF2-40B4-BE49-F238E27FC236}">
-                <a16:creationId xmlns:a16="http://schemas.microsoft.com/office/drawing/2014/main" id="{D7735A51-A8B0-A92C-21EB-080CB080DFF8}"/>
+                <a16:creationId xmlns:a16="http://schemas.microsoft.com/office/drawing/2014/main" id="{BDBE2F62-1DC0-8B32-EDFA-B12981EE7F9F}"/>
               </a:ext>
             </a:extLst>
           </p:cNvPr>
@@ -504,7 +504,7 @@
           <a:bodyPr/>
           <a:lstStyle/>
           <a:p>
-            <a:fld id="{C76EEB09-0AEE-4FB0-BEA9-7CBDAB5995D8}" type="slidenum">
+            <a:fld id="{BC66C692-26A9-4A00-957C-3A03346F9957}" type="slidenum">
               <a:rPr lang="zh-CN" altLang="en-US" smtClean="0"/>
               <a:t>‹#›</a:t>
             </a:fld>
@@ -515,7 +515,7 @@
     </p:spTree>
     <p:extLst>
       <p:ext uri="{BB962C8B-B14F-4D97-AF65-F5344CB8AC3E}">
-        <p14:creationId xmlns:p14="http://schemas.microsoft.com/office/powerpoint/2010/main" val="3912632604"/>
+        <p14:creationId xmlns:p14="http://schemas.microsoft.com/office/powerpoint/2010/main" val="703829508"/>
       </p:ext>
     </p:extLst>
   </p:cSld>
@@ -547,7 +547,7 @@
           <p:cNvPr id="2" name="竖排标题 1">
             <a:extLst>
               <a:ext uri="{FF2B5EF4-FFF2-40B4-BE49-F238E27FC236}">
-                <a16:creationId xmlns:a16="http://schemas.microsoft.com/office/drawing/2014/main" id="{F4DBD4F1-FEC0-5137-E096-93FFF58E37CF}"/>
+                <a16:creationId xmlns:a16="http://schemas.microsoft.com/office/drawing/2014/main" id="{F7398189-4234-8FBB-4E24-AB5B38392285}"/>
               </a:ext>
             </a:extLst>
           </p:cNvPr>
@@ -580,7 +580,7 @@
           <p:cNvPr id="3" name="竖排文字占位符 2">
             <a:extLst>
               <a:ext uri="{FF2B5EF4-FFF2-40B4-BE49-F238E27FC236}">
-                <a16:creationId xmlns:a16="http://schemas.microsoft.com/office/drawing/2014/main" id="{9FCCC5F3-623A-410D-DD6A-BC4FBF3D53EC}"/>
+                <a16:creationId xmlns:a16="http://schemas.microsoft.com/office/drawing/2014/main" id="{7C8C2D0A-D688-DA22-967E-AB75AA8C8B3F}"/>
               </a:ext>
             </a:extLst>
           </p:cNvPr>
@@ -642,7 +642,7 @@
           <p:cNvPr id="4" name="日期占位符 3">
             <a:extLst>
               <a:ext uri="{FF2B5EF4-FFF2-40B4-BE49-F238E27FC236}">
-                <a16:creationId xmlns:a16="http://schemas.microsoft.com/office/drawing/2014/main" id="{BB76D25C-6AFF-1D4F-3260-55E8E070D484}"/>
+                <a16:creationId xmlns:a16="http://schemas.microsoft.com/office/drawing/2014/main" id="{39A80F98-F933-F90A-D108-7D74A8390795}"/>
               </a:ext>
             </a:extLst>
           </p:cNvPr>
@@ -658,7 +658,7 @@
           <a:bodyPr/>
           <a:lstStyle/>
           <a:p>
-            <a:fld id="{F9F04A6F-46B5-4FE8-AAB1-AF1B7DF1783A}" type="datetimeFigureOut">
+            <a:fld id="{95668F7F-B9CB-4962-88B8-FCE129E24E31}" type="datetimeFigureOut">
               <a:rPr lang="zh-CN" altLang="en-US" smtClean="0"/>
               <a:t>2024/3/10</a:t>
             </a:fld>
@@ -671,7 +671,7 @@
           <p:cNvPr id="5" name="页脚占位符 4">
             <a:extLst>
               <a:ext uri="{FF2B5EF4-FFF2-40B4-BE49-F238E27FC236}">
-                <a16:creationId xmlns:a16="http://schemas.microsoft.com/office/drawing/2014/main" id="{3F10BEBE-A457-6492-C82F-2DC0BCD81CF9}"/>
+                <a16:creationId xmlns:a16="http://schemas.microsoft.com/office/drawing/2014/main" id="{084F9B62-B659-B90D-3E55-1C824E1FEAB1}"/>
               </a:ext>
             </a:extLst>
           </p:cNvPr>
@@ -696,7 +696,7 @@
           <p:cNvPr id="6" name="灯片编号占位符 5">
             <a:extLst>
               <a:ext uri="{FF2B5EF4-FFF2-40B4-BE49-F238E27FC236}">
-                <a16:creationId xmlns:a16="http://schemas.microsoft.com/office/drawing/2014/main" id="{2C05AF2C-B71E-F17C-88F5-B32EFFB1B93B}"/>
+                <a16:creationId xmlns:a16="http://schemas.microsoft.com/office/drawing/2014/main" id="{D409F603-CFED-4EA0-FB8B-38171E7E9948}"/>
               </a:ext>
             </a:extLst>
           </p:cNvPr>
@@ -712,7 +712,7 @@
           <a:bodyPr/>
           <a:lstStyle/>
           <a:p>
-            <a:fld id="{C76EEB09-0AEE-4FB0-BEA9-7CBDAB5995D8}" type="slidenum">
+            <a:fld id="{BC66C692-26A9-4A00-957C-3A03346F9957}" type="slidenum">
               <a:rPr lang="zh-CN" altLang="en-US" smtClean="0"/>
               <a:t>‹#›</a:t>
             </a:fld>
@@ -723,7 +723,7 @@
     </p:spTree>
     <p:extLst>
       <p:ext uri="{BB962C8B-B14F-4D97-AF65-F5344CB8AC3E}">
-        <p14:creationId xmlns:p14="http://schemas.microsoft.com/office/powerpoint/2010/main" val="1551646818"/>
+        <p14:creationId xmlns:p14="http://schemas.microsoft.com/office/powerpoint/2010/main" val="4016533971"/>
       </p:ext>
     </p:extLst>
   </p:cSld>
@@ -755,7 +755,7 @@
           <p:cNvPr id="2" name="标题 1">
             <a:extLst>
               <a:ext uri="{FF2B5EF4-FFF2-40B4-BE49-F238E27FC236}">
-                <a16:creationId xmlns:a16="http://schemas.microsoft.com/office/drawing/2014/main" id="{9AA760BC-B9E5-5F72-CA83-A96046BB157D}"/>
+                <a16:creationId xmlns:a16="http://schemas.microsoft.com/office/drawing/2014/main" id="{97751137-1797-C291-13D5-FC2A89EEE579}"/>
               </a:ext>
             </a:extLst>
           </p:cNvPr>
@@ -783,7 +783,7 @@
           <p:cNvPr id="3" name="内容占位符 2">
             <a:extLst>
               <a:ext uri="{FF2B5EF4-FFF2-40B4-BE49-F238E27FC236}">
-                <a16:creationId xmlns:a16="http://schemas.microsoft.com/office/drawing/2014/main" id="{0F75E46E-606F-BB7A-0A1F-71B4F270D90E}"/>
+                <a16:creationId xmlns:a16="http://schemas.microsoft.com/office/drawing/2014/main" id="{8ADBEBF8-361B-7967-A314-9A69936997A0}"/>
               </a:ext>
             </a:extLst>
           </p:cNvPr>
@@ -840,7 +840,7 @@
           <p:cNvPr id="4" name="日期占位符 3">
             <a:extLst>
               <a:ext uri="{FF2B5EF4-FFF2-40B4-BE49-F238E27FC236}">
-                <a16:creationId xmlns:a16="http://schemas.microsoft.com/office/drawing/2014/main" id="{47B90F62-FF31-84B0-F061-CF80334F5C07}"/>
+                <a16:creationId xmlns:a16="http://schemas.microsoft.com/office/drawing/2014/main" id="{0863190A-2AC7-7C12-6C64-096083FC3879}"/>
               </a:ext>
             </a:extLst>
           </p:cNvPr>
@@ -856,7 +856,7 @@
           <a:bodyPr/>
           <a:lstStyle/>
           <a:p>
-            <a:fld id="{F9F04A6F-46B5-4FE8-AAB1-AF1B7DF1783A}" type="datetimeFigureOut">
+            <a:fld id="{95668F7F-B9CB-4962-88B8-FCE129E24E31}" type="datetimeFigureOut">
               <a:rPr lang="zh-CN" altLang="en-US" smtClean="0"/>
               <a:t>2024/3/10</a:t>
             </a:fld>
@@ -869,7 +869,7 @@
           <p:cNvPr id="5" name="页脚占位符 4">
             <a:extLst>
               <a:ext uri="{FF2B5EF4-FFF2-40B4-BE49-F238E27FC236}">
-                <a16:creationId xmlns:a16="http://schemas.microsoft.com/office/drawing/2014/main" id="{01178DA7-128E-4E16-360C-990D12D5D124}"/>
+                <a16:creationId xmlns:a16="http://schemas.microsoft.com/office/drawing/2014/main" id="{D9040EE6-3768-089A-D6A9-447E1D175F62}"/>
               </a:ext>
             </a:extLst>
           </p:cNvPr>
@@ -894,7 +894,7 @@
           <p:cNvPr id="6" name="灯片编号占位符 5">
             <a:extLst>
               <a:ext uri="{FF2B5EF4-FFF2-40B4-BE49-F238E27FC236}">
-                <a16:creationId xmlns:a16="http://schemas.microsoft.com/office/drawing/2014/main" id="{F7D02A9B-D91F-6D18-8837-A2C953189B75}"/>
+                <a16:creationId xmlns:a16="http://schemas.microsoft.com/office/drawing/2014/main" id="{13502702-8B39-64C4-ABFE-1EAE7A40C7CA}"/>
               </a:ext>
             </a:extLst>
           </p:cNvPr>
@@ -910,7 +910,7 @@
           <a:bodyPr/>
           <a:lstStyle/>
           <a:p>
-            <a:fld id="{C76EEB09-0AEE-4FB0-BEA9-7CBDAB5995D8}" type="slidenum">
+            <a:fld id="{BC66C692-26A9-4A00-957C-3A03346F9957}" type="slidenum">
               <a:rPr lang="zh-CN" altLang="en-US" smtClean="0"/>
               <a:t>‹#›</a:t>
             </a:fld>
@@ -921,7 +921,7 @@
     </p:spTree>
     <p:extLst>
       <p:ext uri="{BB962C8B-B14F-4D97-AF65-F5344CB8AC3E}">
-        <p14:creationId xmlns:p14="http://schemas.microsoft.com/office/powerpoint/2010/main" val="3717143188"/>
+        <p14:creationId xmlns:p14="http://schemas.microsoft.com/office/powerpoint/2010/main" val="3749460058"/>
       </p:ext>
     </p:extLst>
   </p:cSld>
@@ -953,7 +953,7 @@
           <p:cNvPr id="2" name="标题 1">
             <a:extLst>
               <a:ext uri="{FF2B5EF4-FFF2-40B4-BE49-F238E27FC236}">
-                <a16:creationId xmlns:a16="http://schemas.microsoft.com/office/drawing/2014/main" id="{4776060E-76E7-50E1-1540-0D66F71A1048}"/>
+                <a16:creationId xmlns:a16="http://schemas.microsoft.com/office/drawing/2014/main" id="{8C8A823A-5A51-1A47-B8C2-3A9DFBBC312E}"/>
               </a:ext>
             </a:extLst>
           </p:cNvPr>
@@ -990,7 +990,7 @@
           <p:cNvPr id="3" name="文本占位符 2">
             <a:extLst>
               <a:ext uri="{FF2B5EF4-FFF2-40B4-BE49-F238E27FC236}">
-                <a16:creationId xmlns:a16="http://schemas.microsoft.com/office/drawing/2014/main" id="{D734CDFA-F489-E5E2-9DA6-F0F88BE6E7DC}"/>
+                <a16:creationId xmlns:a16="http://schemas.microsoft.com/office/drawing/2014/main" id="{45A08AAB-381F-77D5-382B-D06D410D02B7}"/>
               </a:ext>
             </a:extLst>
           </p:cNvPr>
@@ -1115,7 +1115,7 @@
           <p:cNvPr id="4" name="日期占位符 3">
             <a:extLst>
               <a:ext uri="{FF2B5EF4-FFF2-40B4-BE49-F238E27FC236}">
-                <a16:creationId xmlns:a16="http://schemas.microsoft.com/office/drawing/2014/main" id="{F516031C-9011-3AFF-AEBF-1865EDCFA58C}"/>
+                <a16:creationId xmlns:a16="http://schemas.microsoft.com/office/drawing/2014/main" id="{F3E7BC8F-EFF4-6F35-43F7-FD7F7D499F08}"/>
               </a:ext>
             </a:extLst>
           </p:cNvPr>
@@ -1131,7 +1131,7 @@
           <a:bodyPr/>
           <a:lstStyle/>
           <a:p>
-            <a:fld id="{F9F04A6F-46B5-4FE8-AAB1-AF1B7DF1783A}" type="datetimeFigureOut">
+            <a:fld id="{95668F7F-B9CB-4962-88B8-FCE129E24E31}" type="datetimeFigureOut">
               <a:rPr lang="zh-CN" altLang="en-US" smtClean="0"/>
               <a:t>2024/3/10</a:t>
             </a:fld>
@@ -1144,7 +1144,7 @@
           <p:cNvPr id="5" name="页脚占位符 4">
             <a:extLst>
               <a:ext uri="{FF2B5EF4-FFF2-40B4-BE49-F238E27FC236}">
-                <a16:creationId xmlns:a16="http://schemas.microsoft.com/office/drawing/2014/main" id="{E6A7DFA7-6D77-819D-9D46-3CF592E715A6}"/>
+                <a16:creationId xmlns:a16="http://schemas.microsoft.com/office/drawing/2014/main" id="{032AEA48-0ACA-C548-F24D-753F4BBC6F1F}"/>
               </a:ext>
             </a:extLst>
           </p:cNvPr>
@@ -1169,7 +1169,7 @@
           <p:cNvPr id="6" name="灯片编号占位符 5">
             <a:extLst>
               <a:ext uri="{FF2B5EF4-FFF2-40B4-BE49-F238E27FC236}">
-                <a16:creationId xmlns:a16="http://schemas.microsoft.com/office/drawing/2014/main" id="{068C07CD-8D7F-4686-B0D8-A164E58E75FA}"/>
+                <a16:creationId xmlns:a16="http://schemas.microsoft.com/office/drawing/2014/main" id="{4A7280C9-37ED-CB68-1B89-A265DC4F4C82}"/>
               </a:ext>
             </a:extLst>
           </p:cNvPr>
@@ -1185,7 +1185,7 @@
           <a:bodyPr/>
           <a:lstStyle/>
           <a:p>
-            <a:fld id="{C76EEB09-0AEE-4FB0-BEA9-7CBDAB5995D8}" type="slidenum">
+            <a:fld id="{BC66C692-26A9-4A00-957C-3A03346F9957}" type="slidenum">
               <a:rPr lang="zh-CN" altLang="en-US" smtClean="0"/>
               <a:t>‹#›</a:t>
             </a:fld>
@@ -1196,7 +1196,7 @@
     </p:spTree>
     <p:extLst>
       <p:ext uri="{BB962C8B-B14F-4D97-AF65-F5344CB8AC3E}">
-        <p14:creationId xmlns:p14="http://schemas.microsoft.com/office/powerpoint/2010/main" val="3680155745"/>
+        <p14:creationId xmlns:p14="http://schemas.microsoft.com/office/powerpoint/2010/main" val="936200473"/>
       </p:ext>
     </p:extLst>
   </p:cSld>
@@ -1228,7 +1228,7 @@
           <p:cNvPr id="2" name="标题 1">
             <a:extLst>
               <a:ext uri="{FF2B5EF4-FFF2-40B4-BE49-F238E27FC236}">
-                <a16:creationId xmlns:a16="http://schemas.microsoft.com/office/drawing/2014/main" id="{BB82ED02-61BA-F94C-E4EA-BB5A8E1F8BF0}"/>
+                <a16:creationId xmlns:a16="http://schemas.microsoft.com/office/drawing/2014/main" id="{C3CA266D-63DB-46B5-6B9E-98629839F086}"/>
               </a:ext>
             </a:extLst>
           </p:cNvPr>
@@ -1256,7 +1256,7 @@
           <p:cNvPr id="3" name="内容占位符 2">
             <a:extLst>
               <a:ext uri="{FF2B5EF4-FFF2-40B4-BE49-F238E27FC236}">
-                <a16:creationId xmlns:a16="http://schemas.microsoft.com/office/drawing/2014/main" id="{0165E581-960E-D9F3-31B1-6C928FA8A95F}"/>
+                <a16:creationId xmlns:a16="http://schemas.microsoft.com/office/drawing/2014/main" id="{A0C26324-1687-B2D4-1195-3C621308546C}"/>
               </a:ext>
             </a:extLst>
           </p:cNvPr>
@@ -1318,7 +1318,7 @@
           <p:cNvPr id="4" name="内容占位符 3">
             <a:extLst>
               <a:ext uri="{FF2B5EF4-FFF2-40B4-BE49-F238E27FC236}">
-                <a16:creationId xmlns:a16="http://schemas.microsoft.com/office/drawing/2014/main" id="{034D3603-799D-FE68-43A6-9E6022CEFD9D}"/>
+                <a16:creationId xmlns:a16="http://schemas.microsoft.com/office/drawing/2014/main" id="{0A8CBC01-F6EA-4851-8B07-A90B7D1D8E92}"/>
               </a:ext>
             </a:extLst>
           </p:cNvPr>
@@ -1380,7 +1380,7 @@
           <p:cNvPr id="5" name="日期占位符 4">
             <a:extLst>
               <a:ext uri="{FF2B5EF4-FFF2-40B4-BE49-F238E27FC236}">
-                <a16:creationId xmlns:a16="http://schemas.microsoft.com/office/drawing/2014/main" id="{5BBCB374-B6BE-B021-AED7-98F2BAD9AEC1}"/>
+                <a16:creationId xmlns:a16="http://schemas.microsoft.com/office/drawing/2014/main" id="{044A8351-192D-4B09-0112-A298FB0C3F56}"/>
               </a:ext>
             </a:extLst>
           </p:cNvPr>
@@ -1396,7 +1396,7 @@
           <a:bodyPr/>
           <a:lstStyle/>
           <a:p>
-            <a:fld id="{F9F04A6F-46B5-4FE8-AAB1-AF1B7DF1783A}" type="datetimeFigureOut">
+            <a:fld id="{95668F7F-B9CB-4962-88B8-FCE129E24E31}" type="datetimeFigureOut">
               <a:rPr lang="zh-CN" altLang="en-US" smtClean="0"/>
               <a:t>2024/3/10</a:t>
             </a:fld>
@@ -1409,7 +1409,7 @@
           <p:cNvPr id="6" name="页脚占位符 5">
             <a:extLst>
               <a:ext uri="{FF2B5EF4-FFF2-40B4-BE49-F238E27FC236}">
-                <a16:creationId xmlns:a16="http://schemas.microsoft.com/office/drawing/2014/main" id="{9A14A6B7-D136-880A-1958-18DBE7B2A750}"/>
+                <a16:creationId xmlns:a16="http://schemas.microsoft.com/office/drawing/2014/main" id="{5B6F145E-45BC-20EE-C71A-1EAE5C3CFEF0}"/>
               </a:ext>
             </a:extLst>
           </p:cNvPr>
@@ -1434,7 +1434,7 @@
           <p:cNvPr id="7" name="灯片编号占位符 6">
             <a:extLst>
               <a:ext uri="{FF2B5EF4-FFF2-40B4-BE49-F238E27FC236}">
-                <a16:creationId xmlns:a16="http://schemas.microsoft.com/office/drawing/2014/main" id="{7B40EB8C-DBEA-82D4-DAB3-3BF13CCFFFFC}"/>
+                <a16:creationId xmlns:a16="http://schemas.microsoft.com/office/drawing/2014/main" id="{72BF3599-B17F-CFE2-0A62-8C6AB831F14F}"/>
               </a:ext>
             </a:extLst>
           </p:cNvPr>
@@ -1450,7 +1450,7 @@
           <a:bodyPr/>
           <a:lstStyle/>
           <a:p>
-            <a:fld id="{C76EEB09-0AEE-4FB0-BEA9-7CBDAB5995D8}" type="slidenum">
+            <a:fld id="{BC66C692-26A9-4A00-957C-3A03346F9957}" type="slidenum">
               <a:rPr lang="zh-CN" altLang="en-US" smtClean="0"/>
               <a:t>‹#›</a:t>
             </a:fld>
@@ -1461,7 +1461,7 @@
     </p:spTree>
     <p:extLst>
       <p:ext uri="{BB962C8B-B14F-4D97-AF65-F5344CB8AC3E}">
-        <p14:creationId xmlns:p14="http://schemas.microsoft.com/office/powerpoint/2010/main" val="3272347958"/>
+        <p14:creationId xmlns:p14="http://schemas.microsoft.com/office/powerpoint/2010/main" val="4277742354"/>
       </p:ext>
     </p:extLst>
   </p:cSld>
@@ -1493,7 +1493,7 @@
           <p:cNvPr id="2" name="标题 1">
             <a:extLst>
               <a:ext uri="{FF2B5EF4-FFF2-40B4-BE49-F238E27FC236}">
-                <a16:creationId xmlns:a16="http://schemas.microsoft.com/office/drawing/2014/main" id="{1C8073CC-6D61-9B77-B3D6-6408D3A63811}"/>
+                <a16:creationId xmlns:a16="http://schemas.microsoft.com/office/drawing/2014/main" id="{80D6F7C8-0211-249F-BB19-FADA0D1D483D}"/>
               </a:ext>
             </a:extLst>
           </p:cNvPr>
@@ -1526,7 +1526,7 @@
           <p:cNvPr id="3" name="文本占位符 2">
             <a:extLst>
               <a:ext uri="{FF2B5EF4-FFF2-40B4-BE49-F238E27FC236}">
-                <a16:creationId xmlns:a16="http://schemas.microsoft.com/office/drawing/2014/main" id="{7A6E21DA-C40D-3A14-81EA-C7AC9FD58658}"/>
+                <a16:creationId xmlns:a16="http://schemas.microsoft.com/office/drawing/2014/main" id="{917C278C-7A77-90FC-60FB-51B7FB978957}"/>
               </a:ext>
             </a:extLst>
           </p:cNvPr>
@@ -1597,7 +1597,7 @@
           <p:cNvPr id="4" name="内容占位符 3">
             <a:extLst>
               <a:ext uri="{FF2B5EF4-FFF2-40B4-BE49-F238E27FC236}">
-                <a16:creationId xmlns:a16="http://schemas.microsoft.com/office/drawing/2014/main" id="{54BC3246-2062-B59D-54BD-92B29D18390E}"/>
+                <a16:creationId xmlns:a16="http://schemas.microsoft.com/office/drawing/2014/main" id="{84236C90-58F1-72B4-D299-654FB99077D1}"/>
               </a:ext>
             </a:extLst>
           </p:cNvPr>
@@ -1659,7 +1659,7 @@
           <p:cNvPr id="5" name="文本占位符 4">
             <a:extLst>
               <a:ext uri="{FF2B5EF4-FFF2-40B4-BE49-F238E27FC236}">
-                <a16:creationId xmlns:a16="http://schemas.microsoft.com/office/drawing/2014/main" id="{2C011B91-10D7-213B-F0AA-971AC56A91CC}"/>
+                <a16:creationId xmlns:a16="http://schemas.microsoft.com/office/drawing/2014/main" id="{267E3057-6828-2A23-C94D-A68A9096B21C}"/>
               </a:ext>
             </a:extLst>
           </p:cNvPr>
@@ -1730,7 +1730,7 @@
           <p:cNvPr id="6" name="内容占位符 5">
             <a:extLst>
               <a:ext uri="{FF2B5EF4-FFF2-40B4-BE49-F238E27FC236}">
-                <a16:creationId xmlns:a16="http://schemas.microsoft.com/office/drawing/2014/main" id="{07E409D1-3D45-88ED-2A42-A1FF23378602}"/>
+                <a16:creationId xmlns:a16="http://schemas.microsoft.com/office/drawing/2014/main" id="{F26089BA-E95E-1C7A-9F73-DDA2D0CD9A63}"/>
               </a:ext>
             </a:extLst>
           </p:cNvPr>
@@ -1792,7 +1792,7 @@
           <p:cNvPr id="7" name="日期占位符 6">
             <a:extLst>
               <a:ext uri="{FF2B5EF4-FFF2-40B4-BE49-F238E27FC236}">
-                <a16:creationId xmlns:a16="http://schemas.microsoft.com/office/drawing/2014/main" id="{1BA32FF2-6A2E-0049-3E09-EE2072B75FB8}"/>
+                <a16:creationId xmlns:a16="http://schemas.microsoft.com/office/drawing/2014/main" id="{3B6579D7-6DA8-78AA-F764-2D558185545A}"/>
               </a:ext>
             </a:extLst>
           </p:cNvPr>
@@ -1808,7 +1808,7 @@
           <a:bodyPr/>
           <a:lstStyle/>
           <a:p>
-            <a:fld id="{F9F04A6F-46B5-4FE8-AAB1-AF1B7DF1783A}" type="datetimeFigureOut">
+            <a:fld id="{95668F7F-B9CB-4962-88B8-FCE129E24E31}" type="datetimeFigureOut">
               <a:rPr lang="zh-CN" altLang="en-US" smtClean="0"/>
               <a:t>2024/3/10</a:t>
             </a:fld>
@@ -1821,7 +1821,7 @@
           <p:cNvPr id="8" name="页脚占位符 7">
             <a:extLst>
               <a:ext uri="{FF2B5EF4-FFF2-40B4-BE49-F238E27FC236}">
-                <a16:creationId xmlns:a16="http://schemas.microsoft.com/office/drawing/2014/main" id="{4297109F-B030-0C66-A944-A10BD6D7DAC2}"/>
+                <a16:creationId xmlns:a16="http://schemas.microsoft.com/office/drawing/2014/main" id="{9BC68DEB-B3EA-3DC0-1294-FAA08EEBE7D4}"/>
               </a:ext>
             </a:extLst>
           </p:cNvPr>
@@ -1846,7 +1846,7 @@
           <p:cNvPr id="9" name="灯片编号占位符 8">
             <a:extLst>
               <a:ext uri="{FF2B5EF4-FFF2-40B4-BE49-F238E27FC236}">
-                <a16:creationId xmlns:a16="http://schemas.microsoft.com/office/drawing/2014/main" id="{489BEE30-3BFF-51C3-AEAE-E6459EEB3F82}"/>
+                <a16:creationId xmlns:a16="http://schemas.microsoft.com/office/drawing/2014/main" id="{F802A7CA-FFCC-78F5-5483-B8E13C397814}"/>
               </a:ext>
             </a:extLst>
           </p:cNvPr>
@@ -1862,7 +1862,7 @@
           <a:bodyPr/>
           <a:lstStyle/>
           <a:p>
-            <a:fld id="{C76EEB09-0AEE-4FB0-BEA9-7CBDAB5995D8}" type="slidenum">
+            <a:fld id="{BC66C692-26A9-4A00-957C-3A03346F9957}" type="slidenum">
               <a:rPr lang="zh-CN" altLang="en-US" smtClean="0"/>
               <a:t>‹#›</a:t>
             </a:fld>
@@ -1873,7 +1873,7 @@
     </p:spTree>
     <p:extLst>
       <p:ext uri="{BB962C8B-B14F-4D97-AF65-F5344CB8AC3E}">
-        <p14:creationId xmlns:p14="http://schemas.microsoft.com/office/powerpoint/2010/main" val="3573437709"/>
+        <p14:creationId xmlns:p14="http://schemas.microsoft.com/office/powerpoint/2010/main" val="1166254860"/>
       </p:ext>
     </p:extLst>
   </p:cSld>
@@ -1905,7 +1905,7 @@
           <p:cNvPr id="2" name="标题 1">
             <a:extLst>
               <a:ext uri="{FF2B5EF4-FFF2-40B4-BE49-F238E27FC236}">
-                <a16:creationId xmlns:a16="http://schemas.microsoft.com/office/drawing/2014/main" id="{69F3C0EF-97DE-AE75-F987-38DAC8FDA363}"/>
+                <a16:creationId xmlns:a16="http://schemas.microsoft.com/office/drawing/2014/main" id="{7875F098-C28F-CB23-9888-133E4FCC0BF1}"/>
               </a:ext>
             </a:extLst>
           </p:cNvPr>
@@ -1933,7 +1933,7 @@
           <p:cNvPr id="3" name="日期占位符 2">
             <a:extLst>
               <a:ext uri="{FF2B5EF4-FFF2-40B4-BE49-F238E27FC236}">
-                <a16:creationId xmlns:a16="http://schemas.microsoft.com/office/drawing/2014/main" id="{D4F63725-F927-1572-4928-A0A7B57B652F}"/>
+                <a16:creationId xmlns:a16="http://schemas.microsoft.com/office/drawing/2014/main" id="{9A576F1A-C1AA-9475-9F00-A19C1F29F297}"/>
               </a:ext>
             </a:extLst>
           </p:cNvPr>
@@ -1949,7 +1949,7 @@
           <a:bodyPr/>
           <a:lstStyle/>
           <a:p>
-            <a:fld id="{F9F04A6F-46B5-4FE8-AAB1-AF1B7DF1783A}" type="datetimeFigureOut">
+            <a:fld id="{95668F7F-B9CB-4962-88B8-FCE129E24E31}" type="datetimeFigureOut">
               <a:rPr lang="zh-CN" altLang="en-US" smtClean="0"/>
               <a:t>2024/3/10</a:t>
             </a:fld>
@@ -1962,7 +1962,7 @@
           <p:cNvPr id="4" name="页脚占位符 3">
             <a:extLst>
               <a:ext uri="{FF2B5EF4-FFF2-40B4-BE49-F238E27FC236}">
-                <a16:creationId xmlns:a16="http://schemas.microsoft.com/office/drawing/2014/main" id="{BAFBBEFC-0D0B-71C4-6A4F-CAFBAB3D4A2E}"/>
+                <a16:creationId xmlns:a16="http://schemas.microsoft.com/office/drawing/2014/main" id="{60FF5157-1A54-CFDA-2A6B-1937D7473E33}"/>
               </a:ext>
             </a:extLst>
           </p:cNvPr>
@@ -1987,7 +1987,7 @@
           <p:cNvPr id="5" name="灯片编号占位符 4">
             <a:extLst>
               <a:ext uri="{FF2B5EF4-FFF2-40B4-BE49-F238E27FC236}">
-                <a16:creationId xmlns:a16="http://schemas.microsoft.com/office/drawing/2014/main" id="{3C75267B-AB79-590C-6E96-F35A091E3877}"/>
+                <a16:creationId xmlns:a16="http://schemas.microsoft.com/office/drawing/2014/main" id="{98D8A1C9-0D2C-A0C9-B1DA-27AB0F411955}"/>
               </a:ext>
             </a:extLst>
           </p:cNvPr>
@@ -2003,7 +2003,7 @@
           <a:bodyPr/>
           <a:lstStyle/>
           <a:p>
-            <a:fld id="{C76EEB09-0AEE-4FB0-BEA9-7CBDAB5995D8}" type="slidenum">
+            <a:fld id="{BC66C692-26A9-4A00-957C-3A03346F9957}" type="slidenum">
               <a:rPr lang="zh-CN" altLang="en-US" smtClean="0"/>
               <a:t>‹#›</a:t>
             </a:fld>
@@ -2014,7 +2014,7 @@
     </p:spTree>
     <p:extLst>
       <p:ext uri="{BB962C8B-B14F-4D97-AF65-F5344CB8AC3E}">
-        <p14:creationId xmlns:p14="http://schemas.microsoft.com/office/powerpoint/2010/main" val="982003177"/>
+        <p14:creationId xmlns:p14="http://schemas.microsoft.com/office/powerpoint/2010/main" val="1971204377"/>
       </p:ext>
     </p:extLst>
   </p:cSld>
@@ -2046,7 +2046,7 @@
           <p:cNvPr id="2" name="日期占位符 1">
             <a:extLst>
               <a:ext uri="{FF2B5EF4-FFF2-40B4-BE49-F238E27FC236}">
-                <a16:creationId xmlns:a16="http://schemas.microsoft.com/office/drawing/2014/main" id="{7E6783EF-7CA7-5FBA-8E2A-88287EAD8FBC}"/>
+                <a16:creationId xmlns:a16="http://schemas.microsoft.com/office/drawing/2014/main" id="{8BF91AB0-7201-6934-76D6-149158726A9D}"/>
               </a:ext>
             </a:extLst>
           </p:cNvPr>
@@ -2062,7 +2062,7 @@
           <a:bodyPr/>
           <a:lstStyle/>
           <a:p>
-            <a:fld id="{F9F04A6F-46B5-4FE8-AAB1-AF1B7DF1783A}" type="datetimeFigureOut">
+            <a:fld id="{95668F7F-B9CB-4962-88B8-FCE129E24E31}" type="datetimeFigureOut">
               <a:rPr lang="zh-CN" altLang="en-US" smtClean="0"/>
               <a:t>2024/3/10</a:t>
             </a:fld>
@@ -2075,7 +2075,7 @@
           <p:cNvPr id="3" name="页脚占位符 2">
             <a:extLst>
               <a:ext uri="{FF2B5EF4-FFF2-40B4-BE49-F238E27FC236}">
-                <a16:creationId xmlns:a16="http://schemas.microsoft.com/office/drawing/2014/main" id="{945E1DA9-1905-0BA7-7098-7FC51BDF61C7}"/>
+                <a16:creationId xmlns:a16="http://schemas.microsoft.com/office/drawing/2014/main" id="{12317B3E-8F13-DC1B-0C6A-9034E73621DB}"/>
               </a:ext>
             </a:extLst>
           </p:cNvPr>
@@ -2100,7 +2100,7 @@
           <p:cNvPr id="4" name="灯片编号占位符 3">
             <a:extLst>
               <a:ext uri="{FF2B5EF4-FFF2-40B4-BE49-F238E27FC236}">
-                <a16:creationId xmlns:a16="http://schemas.microsoft.com/office/drawing/2014/main" id="{B4D2E099-9A65-1CEA-335E-FD7816E97305}"/>
+                <a16:creationId xmlns:a16="http://schemas.microsoft.com/office/drawing/2014/main" id="{D7BFFE19-12B9-E25B-DC01-9C5D43A2207A}"/>
               </a:ext>
             </a:extLst>
           </p:cNvPr>
@@ -2116,7 +2116,7 @@
           <a:bodyPr/>
           <a:lstStyle/>
           <a:p>
-            <a:fld id="{C76EEB09-0AEE-4FB0-BEA9-7CBDAB5995D8}" type="slidenum">
+            <a:fld id="{BC66C692-26A9-4A00-957C-3A03346F9957}" type="slidenum">
               <a:rPr lang="zh-CN" altLang="en-US" smtClean="0"/>
               <a:t>‹#›</a:t>
             </a:fld>
@@ -2127,7 +2127,7 @@
     </p:spTree>
     <p:extLst>
       <p:ext uri="{BB962C8B-B14F-4D97-AF65-F5344CB8AC3E}">
-        <p14:creationId xmlns:p14="http://schemas.microsoft.com/office/powerpoint/2010/main" val="4232636620"/>
+        <p14:creationId xmlns:p14="http://schemas.microsoft.com/office/powerpoint/2010/main" val="1478251283"/>
       </p:ext>
     </p:extLst>
   </p:cSld>
@@ -2159,7 +2159,7 @@
           <p:cNvPr id="2" name="标题 1">
             <a:extLst>
               <a:ext uri="{FF2B5EF4-FFF2-40B4-BE49-F238E27FC236}">
-                <a16:creationId xmlns:a16="http://schemas.microsoft.com/office/drawing/2014/main" id="{8FC9B97E-EC3E-45A6-0045-FA999F2F06BA}"/>
+                <a16:creationId xmlns:a16="http://schemas.microsoft.com/office/drawing/2014/main" id="{0F436C7B-BC06-6DD2-D285-470983BC9EF4}"/>
               </a:ext>
             </a:extLst>
           </p:cNvPr>
@@ -2196,7 +2196,7 @@
           <p:cNvPr id="3" name="内容占位符 2">
             <a:extLst>
               <a:ext uri="{FF2B5EF4-FFF2-40B4-BE49-F238E27FC236}">
-                <a16:creationId xmlns:a16="http://schemas.microsoft.com/office/drawing/2014/main" id="{66F66C93-99BA-87E7-C711-4DCB9074ABAD}"/>
+                <a16:creationId xmlns:a16="http://schemas.microsoft.com/office/drawing/2014/main" id="{DFBACB3F-3A47-5217-EED4-4C66C50B5B4B}"/>
               </a:ext>
             </a:extLst>
           </p:cNvPr>
@@ -2286,7 +2286,7 @@
           <p:cNvPr id="4" name="文本占位符 3">
             <a:extLst>
               <a:ext uri="{FF2B5EF4-FFF2-40B4-BE49-F238E27FC236}">
-                <a16:creationId xmlns:a16="http://schemas.microsoft.com/office/drawing/2014/main" id="{F6C3AD43-2D1C-0041-8E81-51C363B0A64A}"/>
+                <a16:creationId xmlns:a16="http://schemas.microsoft.com/office/drawing/2014/main" id="{A88FF508-3C7B-D3A5-C1D0-089BD753E9F8}"/>
               </a:ext>
             </a:extLst>
           </p:cNvPr>
@@ -2357,7 +2357,7 @@
           <p:cNvPr id="5" name="日期占位符 4">
             <a:extLst>
               <a:ext uri="{FF2B5EF4-FFF2-40B4-BE49-F238E27FC236}">
-                <a16:creationId xmlns:a16="http://schemas.microsoft.com/office/drawing/2014/main" id="{E94B1413-D43C-E99A-C51B-B1C3F1149DD1}"/>
+                <a16:creationId xmlns:a16="http://schemas.microsoft.com/office/drawing/2014/main" id="{1EA000E7-4BF4-A48D-4D8D-DA855B339322}"/>
               </a:ext>
             </a:extLst>
           </p:cNvPr>
@@ -2373,7 +2373,7 @@
           <a:bodyPr/>
           <a:lstStyle/>
           <a:p>
-            <a:fld id="{F9F04A6F-46B5-4FE8-AAB1-AF1B7DF1783A}" type="datetimeFigureOut">
+            <a:fld id="{95668F7F-B9CB-4962-88B8-FCE129E24E31}" type="datetimeFigureOut">
               <a:rPr lang="zh-CN" altLang="en-US" smtClean="0"/>
               <a:t>2024/3/10</a:t>
             </a:fld>
@@ -2386,7 +2386,7 @@
           <p:cNvPr id="6" name="页脚占位符 5">
             <a:extLst>
               <a:ext uri="{FF2B5EF4-FFF2-40B4-BE49-F238E27FC236}">
-                <a16:creationId xmlns:a16="http://schemas.microsoft.com/office/drawing/2014/main" id="{5A24DCE9-2017-5668-1020-F5A49F6CA670}"/>
+                <a16:creationId xmlns:a16="http://schemas.microsoft.com/office/drawing/2014/main" id="{9E0090D6-2525-9B86-89FB-AD55B3F637A5}"/>
               </a:ext>
             </a:extLst>
           </p:cNvPr>
@@ -2411,7 +2411,7 @@
           <p:cNvPr id="7" name="灯片编号占位符 6">
             <a:extLst>
               <a:ext uri="{FF2B5EF4-FFF2-40B4-BE49-F238E27FC236}">
-                <a16:creationId xmlns:a16="http://schemas.microsoft.com/office/drawing/2014/main" id="{E50B423B-8129-B032-32BD-526DC739B942}"/>
+                <a16:creationId xmlns:a16="http://schemas.microsoft.com/office/drawing/2014/main" id="{91C01B9C-26FD-AADD-F90D-F72943324ED7}"/>
               </a:ext>
             </a:extLst>
           </p:cNvPr>
@@ -2427,7 +2427,7 @@
           <a:bodyPr/>
           <a:lstStyle/>
           <a:p>
-            <a:fld id="{C76EEB09-0AEE-4FB0-BEA9-7CBDAB5995D8}" type="slidenum">
+            <a:fld id="{BC66C692-26A9-4A00-957C-3A03346F9957}" type="slidenum">
               <a:rPr lang="zh-CN" altLang="en-US" smtClean="0"/>
               <a:t>‹#›</a:t>
             </a:fld>
@@ -2438,7 +2438,7 @@
     </p:spTree>
     <p:extLst>
       <p:ext uri="{BB962C8B-B14F-4D97-AF65-F5344CB8AC3E}">
-        <p14:creationId xmlns:p14="http://schemas.microsoft.com/office/powerpoint/2010/main" val="2143469166"/>
+        <p14:creationId xmlns:p14="http://schemas.microsoft.com/office/powerpoint/2010/main" val="4264571695"/>
       </p:ext>
     </p:extLst>
   </p:cSld>
@@ -2470,7 +2470,7 @@
           <p:cNvPr id="2" name="标题 1">
             <a:extLst>
               <a:ext uri="{FF2B5EF4-FFF2-40B4-BE49-F238E27FC236}">
-                <a16:creationId xmlns:a16="http://schemas.microsoft.com/office/drawing/2014/main" id="{48568BBF-1031-1399-7AD8-24B325DB013E}"/>
+                <a16:creationId xmlns:a16="http://schemas.microsoft.com/office/drawing/2014/main" id="{B0ACA64E-5C63-5164-E0A2-FDB2E25A7D49}"/>
               </a:ext>
             </a:extLst>
           </p:cNvPr>
@@ -2507,7 +2507,7 @@
           <p:cNvPr id="3" name="图片占位符 2">
             <a:extLst>
               <a:ext uri="{FF2B5EF4-FFF2-40B4-BE49-F238E27FC236}">
-                <a16:creationId xmlns:a16="http://schemas.microsoft.com/office/drawing/2014/main" id="{6711B286-58F7-3D80-8EAF-8FB24CEB9E3A}"/>
+                <a16:creationId xmlns:a16="http://schemas.microsoft.com/office/drawing/2014/main" id="{D5EB9054-4705-28EF-A0A7-A06C9380C6AD}"/>
               </a:ext>
             </a:extLst>
           </p:cNvPr>
@@ -2574,7 +2574,7 @@
           <p:cNvPr id="4" name="文本占位符 3">
             <a:extLst>
               <a:ext uri="{FF2B5EF4-FFF2-40B4-BE49-F238E27FC236}">
-                <a16:creationId xmlns:a16="http://schemas.microsoft.com/office/drawing/2014/main" id="{1ADFEC25-EED1-85D9-6A62-D5821BA424ED}"/>
+                <a16:creationId xmlns:a16="http://schemas.microsoft.com/office/drawing/2014/main" id="{E6A19EA2-7F22-556F-BA6E-AC3E06DE2E7F}"/>
               </a:ext>
             </a:extLst>
           </p:cNvPr>
@@ -2645,7 +2645,7 @@
           <p:cNvPr id="5" name="日期占位符 4">
             <a:extLst>
               <a:ext uri="{FF2B5EF4-FFF2-40B4-BE49-F238E27FC236}">
-                <a16:creationId xmlns:a16="http://schemas.microsoft.com/office/drawing/2014/main" id="{308583A5-C7A6-C8CA-4146-A2797843CE94}"/>
+                <a16:creationId xmlns:a16="http://schemas.microsoft.com/office/drawing/2014/main" id="{89399A14-AC7C-2C5F-5C7A-3C6C4B7165A5}"/>
               </a:ext>
             </a:extLst>
           </p:cNvPr>
@@ -2661,7 +2661,7 @@
           <a:bodyPr/>
           <a:lstStyle/>
           <a:p>
-            <a:fld id="{F9F04A6F-46B5-4FE8-AAB1-AF1B7DF1783A}" type="datetimeFigureOut">
+            <a:fld id="{95668F7F-B9CB-4962-88B8-FCE129E24E31}" type="datetimeFigureOut">
               <a:rPr lang="zh-CN" altLang="en-US" smtClean="0"/>
               <a:t>2024/3/10</a:t>
             </a:fld>
@@ -2674,7 +2674,7 @@
           <p:cNvPr id="6" name="页脚占位符 5">
             <a:extLst>
               <a:ext uri="{FF2B5EF4-FFF2-40B4-BE49-F238E27FC236}">
-                <a16:creationId xmlns:a16="http://schemas.microsoft.com/office/drawing/2014/main" id="{0123CC95-E873-E168-48B1-F8649B3E09FC}"/>
+                <a16:creationId xmlns:a16="http://schemas.microsoft.com/office/drawing/2014/main" id="{FD0C29E7-2224-C96A-8F1C-EA45FF13CA3C}"/>
               </a:ext>
             </a:extLst>
           </p:cNvPr>
@@ -2699,7 +2699,7 @@
           <p:cNvPr id="7" name="灯片编号占位符 6">
             <a:extLst>
               <a:ext uri="{FF2B5EF4-FFF2-40B4-BE49-F238E27FC236}">
-                <a16:creationId xmlns:a16="http://schemas.microsoft.com/office/drawing/2014/main" id="{06F88687-B39A-237B-B9C3-0C8CBEC6F3C3}"/>
+                <a16:creationId xmlns:a16="http://schemas.microsoft.com/office/drawing/2014/main" id="{918773EB-BC2C-8EAF-7DB2-1F034F96708C}"/>
               </a:ext>
             </a:extLst>
           </p:cNvPr>
@@ -2715,7 +2715,7 @@
           <a:bodyPr/>
           <a:lstStyle/>
           <a:p>
-            <a:fld id="{C76EEB09-0AEE-4FB0-BEA9-7CBDAB5995D8}" type="slidenum">
+            <a:fld id="{BC66C692-26A9-4A00-957C-3A03346F9957}" type="slidenum">
               <a:rPr lang="zh-CN" altLang="en-US" smtClean="0"/>
               <a:t>‹#›</a:t>
             </a:fld>
@@ -2726,7 +2726,7 @@
     </p:spTree>
     <p:extLst>
       <p:ext uri="{BB962C8B-B14F-4D97-AF65-F5344CB8AC3E}">
-        <p14:creationId xmlns:p14="http://schemas.microsoft.com/office/powerpoint/2010/main" val="1720258284"/>
+        <p14:creationId xmlns:p14="http://schemas.microsoft.com/office/powerpoint/2010/main" val="1992025272"/>
       </p:ext>
     </p:extLst>
   </p:cSld>
@@ -2763,7 +2763,7 @@
           <p:cNvPr id="2" name="标题占位符 1">
             <a:extLst>
               <a:ext uri="{FF2B5EF4-FFF2-40B4-BE49-F238E27FC236}">
-                <a16:creationId xmlns:a16="http://schemas.microsoft.com/office/drawing/2014/main" id="{4E3E6FFE-6888-8A3A-A8F8-397FDD74B2C9}"/>
+                <a16:creationId xmlns:a16="http://schemas.microsoft.com/office/drawing/2014/main" id="{A8528F47-0223-9445-CBB9-D00B8C6A90B4}"/>
               </a:ext>
             </a:extLst>
           </p:cNvPr>
@@ -2801,7 +2801,7 @@
           <p:cNvPr id="3" name="文本占位符 2">
             <a:extLst>
               <a:ext uri="{FF2B5EF4-FFF2-40B4-BE49-F238E27FC236}">
-                <a16:creationId xmlns:a16="http://schemas.microsoft.com/office/drawing/2014/main" id="{F5D85E7A-E428-3BFB-3FD0-1E40B8EDFA31}"/>
+                <a16:creationId xmlns:a16="http://schemas.microsoft.com/office/drawing/2014/main" id="{A43FD91D-C26B-9B84-E73D-3E5D76398A59}"/>
               </a:ext>
             </a:extLst>
           </p:cNvPr>
@@ -2868,7 +2868,7 @@
           <p:cNvPr id="4" name="日期占位符 3">
             <a:extLst>
               <a:ext uri="{FF2B5EF4-FFF2-40B4-BE49-F238E27FC236}">
-                <a16:creationId xmlns:a16="http://schemas.microsoft.com/office/drawing/2014/main" id="{38899DE4-A828-2E1F-C36A-292CBE85CBA2}"/>
+                <a16:creationId xmlns:a16="http://schemas.microsoft.com/office/drawing/2014/main" id="{CCCAD200-51DD-AF71-C5D0-AC9CF652F1A6}"/>
               </a:ext>
             </a:extLst>
           </p:cNvPr>
@@ -2902,7 +2902,7 @@
             </a:lvl1pPr>
           </a:lstStyle>
           <a:p>
-            <a:fld id="{F9F04A6F-46B5-4FE8-AAB1-AF1B7DF1783A}" type="datetimeFigureOut">
+            <a:fld id="{95668F7F-B9CB-4962-88B8-FCE129E24E31}" type="datetimeFigureOut">
               <a:rPr lang="zh-CN" altLang="en-US" smtClean="0"/>
               <a:t>2024/3/10</a:t>
             </a:fld>
@@ -2915,7 +2915,7 @@
           <p:cNvPr id="5" name="页脚占位符 4">
             <a:extLst>
               <a:ext uri="{FF2B5EF4-FFF2-40B4-BE49-F238E27FC236}">
-                <a16:creationId xmlns:a16="http://schemas.microsoft.com/office/drawing/2014/main" id="{ED303CDE-B42D-F247-DE1B-1B3FADBDD54D}"/>
+                <a16:creationId xmlns:a16="http://schemas.microsoft.com/office/drawing/2014/main" id="{DB9606A6-47EA-0A15-B0C9-40FADE0ED646}"/>
               </a:ext>
             </a:extLst>
           </p:cNvPr>
@@ -2958,7 +2958,7 @@
           <p:cNvPr id="6" name="灯片编号占位符 5">
             <a:extLst>
               <a:ext uri="{FF2B5EF4-FFF2-40B4-BE49-F238E27FC236}">
-                <a16:creationId xmlns:a16="http://schemas.microsoft.com/office/drawing/2014/main" id="{C191C9CE-A830-E6B2-C947-9CE2B560FF5F}"/>
+                <a16:creationId xmlns:a16="http://schemas.microsoft.com/office/drawing/2014/main" id="{A23A28C5-90C6-185B-8159-BCF7A574A48E}"/>
               </a:ext>
             </a:extLst>
           </p:cNvPr>
@@ -2992,7 +2992,7 @@
             </a:lvl1pPr>
           </a:lstStyle>
           <a:p>
-            <a:fld id="{C76EEB09-0AEE-4FB0-BEA9-7CBDAB5995D8}" type="slidenum">
+            <a:fld id="{BC66C692-26A9-4A00-957C-3A03346F9957}" type="slidenum">
               <a:rPr lang="zh-CN" altLang="en-US" smtClean="0"/>
               <a:t>‹#›</a:t>
             </a:fld>
@@ -3003,7 +3003,7 @@
     </p:spTree>
     <p:extLst>
       <p:ext uri="{BB962C8B-B14F-4D97-AF65-F5344CB8AC3E}">
-        <p14:creationId xmlns:p14="http://schemas.microsoft.com/office/powerpoint/2010/main" val="2626471329"/>
+        <p14:creationId xmlns:p14="http://schemas.microsoft.com/office/powerpoint/2010/main" val="1109784153"/>
       </p:ext>
     </p:extLst>
   </p:cSld>
